--- a/slide.pptx
+++ b/slide.pptx
@@ -4821,8 +4821,8 @@
         </p:nvSpPr>
         <p:spPr>
           <a:xfrm>
-            <a:off x="3941620" y="983005"/>
-            <a:ext cx="5562600" cy="5029200"/>
+            <a:off x="3429000" y="1181914"/>
+            <a:ext cx="5937500" cy="5218886"/>
           </a:xfrm>
           <a:prstGeom prst="irregularSeal1">
             <a:avLst/>
@@ -5005,7 +5005,17 @@
                   </a:schemeClr>
                 </a:solidFill>
               </a:rPr>
-              <a:t>FREE FOOD and MOVIES </a:t>
+              <a:t>FREE FOOD and </a:t>
+            </a:r>
+            <a:r>
+              <a:rPr lang="en-US" b="1" dirty="0" smtClean="0">
+                <a:solidFill>
+                  <a:schemeClr val="accent5">
+                    <a:lumMod val="75000"/>
+                  </a:schemeClr>
+                </a:solidFill>
+              </a:rPr>
+              <a:t>MOVIE </a:t>
             </a:r>
             <a:r>
               <a:rPr lang="en-US" dirty="0" smtClean="0">
@@ -5050,7 +5060,7 @@
         </p:blipFill>
         <p:spPr bwMode="auto">
           <a:xfrm>
-            <a:off x="1730111" y="4114800"/>
+            <a:off x="1447800" y="4197927"/>
             <a:ext cx="2380592" cy="2286000"/>
           </a:xfrm>
           <a:prstGeom prst="rect">
